--- a/docs/presentation.pptx
+++ b/docs/presentation.pptx
@@ -1258,13 +1258,13 @@
   <p:clrMapOvr>
     <a:masterClrMapping/>
   </p:clrMapOvr>
-  <mc:AlternateContent xmlns:mc="http://schemas.openxmlformats.org/markup-compatibility/2006">
-    <mc:Choice xmlns:p14="http://schemas.microsoft.com/office/powerpoint/2010/main" Requires="p14">
+  <mc:AlternateContent xmlns:mc="http://schemas.openxmlformats.org/markup-compatibility/2006" xmlns:p14="http://schemas.microsoft.com/office/powerpoint/2010/main">
+    <mc:Choice Requires="p14">
       <p:transition spd="med" p14:dur="700">
         <p:fade/>
       </p:transition>
     </mc:Choice>
-    <mc:Fallback>
+    <mc:Fallback xmlns="">
       <p:transition spd="med">
         <p:fade/>
       </p:transition>
@@ -1560,13 +1560,13 @@
   <p:clrMapOvr>
     <a:masterClrMapping/>
   </p:clrMapOvr>
-  <mc:AlternateContent xmlns:mc="http://schemas.openxmlformats.org/markup-compatibility/2006">
-    <mc:Choice xmlns:p14="http://schemas.microsoft.com/office/powerpoint/2010/main" Requires="p14">
+  <mc:AlternateContent xmlns:mc="http://schemas.openxmlformats.org/markup-compatibility/2006" xmlns:p14="http://schemas.microsoft.com/office/powerpoint/2010/main">
+    <mc:Choice Requires="p14">
       <p:transition spd="med" p14:dur="700">
         <p:fade/>
       </p:transition>
     </mc:Choice>
-    <mc:Fallback>
+    <mc:Fallback xmlns="">
       <p:transition spd="med">
         <p:fade/>
       </p:transition>
@@ -2015,13 +2015,13 @@
   <p:clrMapOvr>
     <a:masterClrMapping/>
   </p:clrMapOvr>
-  <mc:AlternateContent xmlns:mc="http://schemas.openxmlformats.org/markup-compatibility/2006">
-    <mc:Choice xmlns:p14="http://schemas.microsoft.com/office/powerpoint/2010/main" Requires="p14">
+  <mc:AlternateContent xmlns:mc="http://schemas.openxmlformats.org/markup-compatibility/2006" xmlns:p14="http://schemas.microsoft.com/office/powerpoint/2010/main">
+    <mc:Choice Requires="p14">
       <p:transition spd="med" p14:dur="700">
         <p:fade/>
       </p:transition>
     </mc:Choice>
-    <mc:Fallback>
+    <mc:Fallback xmlns="">
       <p:transition spd="med">
         <p:fade/>
       </p:transition>
@@ -2060,13 +2060,13 @@
   <p:clrMapOvr>
     <a:masterClrMapping/>
   </p:clrMapOvr>
-  <mc:AlternateContent xmlns:mc="http://schemas.openxmlformats.org/markup-compatibility/2006">
-    <mc:Choice xmlns:p14="http://schemas.microsoft.com/office/powerpoint/2010/main" Requires="p14">
+  <mc:AlternateContent xmlns:mc="http://schemas.openxmlformats.org/markup-compatibility/2006" xmlns:p14="http://schemas.microsoft.com/office/powerpoint/2010/main">
+    <mc:Choice Requires="p14">
       <p:transition spd="med" p14:dur="700">
         <p:fade/>
       </p:transition>
     </mc:Choice>
-    <mc:Fallback>
+    <mc:Fallback xmlns="">
       <p:transition spd="med">
         <p:fade/>
       </p:transition>
@@ -2359,13 +2359,13 @@
   <p:clrMapOvr>
     <a:masterClrMapping/>
   </p:clrMapOvr>
-  <mc:AlternateContent xmlns:mc="http://schemas.openxmlformats.org/markup-compatibility/2006">
-    <mc:Choice xmlns:p14="http://schemas.microsoft.com/office/powerpoint/2010/main" Requires="p14">
+  <mc:AlternateContent xmlns:mc="http://schemas.openxmlformats.org/markup-compatibility/2006" xmlns:p14="http://schemas.microsoft.com/office/powerpoint/2010/main">
+    <mc:Choice Requires="p14">
       <p:transition spd="med" p14:dur="700">
         <p:fade/>
       </p:transition>
     </mc:Choice>
-    <mc:Fallback>
+    <mc:Fallback xmlns="">
       <p:transition spd="med">
         <p:fade/>
       </p:transition>
@@ -2529,13 +2529,13 @@
   <p:clrMapOvr>
     <a:masterClrMapping/>
   </p:clrMapOvr>
-  <mc:AlternateContent xmlns:mc="http://schemas.openxmlformats.org/markup-compatibility/2006">
-    <mc:Choice xmlns:p14="http://schemas.microsoft.com/office/powerpoint/2010/main" Requires="p14">
+  <mc:AlternateContent xmlns:mc="http://schemas.openxmlformats.org/markup-compatibility/2006" xmlns:p14="http://schemas.microsoft.com/office/powerpoint/2010/main">
+    <mc:Choice Requires="p14">
       <p:transition spd="med" p14:dur="700">
         <p:fade/>
       </p:transition>
     </mc:Choice>
-    <mc:Fallback>
+    <mc:Fallback xmlns="">
       <p:transition spd="med">
         <p:fade/>
       </p:transition>
@@ -3089,13 +3089,13 @@
     <p:sldLayoutId id="2147483660" r:id="rId5"/>
     <p:sldLayoutId id="2147483669" r:id="rId6"/>
   </p:sldLayoutIdLst>
-  <mc:AlternateContent xmlns:mc="http://schemas.openxmlformats.org/markup-compatibility/2006">
-    <mc:Choice xmlns:p14="http://schemas.microsoft.com/office/powerpoint/2010/main" Requires="p14">
+  <mc:AlternateContent xmlns:mc="http://schemas.openxmlformats.org/markup-compatibility/2006" xmlns:p14="http://schemas.microsoft.com/office/powerpoint/2010/main">
+    <mc:Choice Requires="p14">
       <p:transition spd="med" p14:dur="700">
         <p:fade/>
       </p:transition>
     </mc:Choice>
-    <mc:Fallback>
+    <mc:Fallback xmlns="">
       <p:transition spd="med">
         <p:fade/>
       </p:transition>
@@ -4308,13 +4308,13 @@
   <p:clrMapOvr>
     <a:masterClrMapping/>
   </p:clrMapOvr>
-  <mc:AlternateContent xmlns:mc="http://schemas.openxmlformats.org/markup-compatibility/2006">
-    <mc:Choice xmlns:p14="http://schemas.microsoft.com/office/powerpoint/2010/main" Requires="p14">
+  <mc:AlternateContent xmlns:mc="http://schemas.openxmlformats.org/markup-compatibility/2006" xmlns:p14="http://schemas.microsoft.com/office/powerpoint/2010/main">
+    <mc:Choice Requires="p14">
       <p:transition spd="med" p14:dur="700">
         <p:fade/>
       </p:transition>
     </mc:Choice>
-    <mc:Fallback>
+    <mc:Fallback xmlns="">
       <p:transition spd="med">
         <p:fade/>
       </p:transition>
@@ -4393,8 +4393,8 @@
         </p:nvSpPr>
         <p:spPr>
           <a:xfrm>
-            <a:off x="717877" y="1117484"/>
-            <a:ext cx="7802839" cy="2053319"/>
+            <a:off x="678679" y="1153648"/>
+            <a:ext cx="7980074" cy="2301079"/>
           </a:xfrm>
           <a:prstGeom prst="rect">
             <a:avLst/>
@@ -4428,27 +4428,27 @@
               <a:buChar char=""/>
             </a:pPr>
             <a:r>
-              <a:rPr lang="ru-RU" sz="1400" dirty="0">
+              <a:rPr lang="bg-BG" sz="1400" b="1" dirty="0">
                 <a:effectLst/>
                 <a:latin typeface="+mj-lt"/>
                 <a:ea typeface="Times New Roman" panose="02020603050405020304" pitchFamily="18" charset="0"/>
                 <a:cs typeface="Calibri" panose="020F0502020204030204" pitchFamily="34" charset="0"/>
               </a:rPr>
-              <a:t>Цел на проекта: Разработване на мащабируемо и сигурно приложение за управление на туристически дестинации, което да предоставя лесен достъп до екзотични места, интегрирано с бекенд система, изградена с Java и Spring Boot</a:t>
+              <a:t>Проблем</a:t>
             </a:r>
-            <a:endParaRPr lang="en-US" sz="1400" dirty="0">
-              <a:effectLst/>
-              <a:latin typeface="+mj-lt"/>
-              <a:ea typeface="Times New Roman" panose="02020603050405020304" pitchFamily="18" charset="0"/>
-              <a:cs typeface="Calibri" panose="020F0502020204030204" pitchFamily="34" charset="0"/>
-            </a:endParaRPr>
-          </a:p>
-          <a:p>
-            <a:pPr lvl="0" algn="just">
-              <a:lnSpc>
-                <a:spcPct val="115000"/>
-              </a:lnSpc>
-            </a:pPr>
+            <a:r>
+              <a:rPr lang="bg-BG" sz="1400" dirty="0">
+                <a:effectLst/>
+                <a:latin typeface="+mj-lt"/>
+                <a:ea typeface="Times New Roman" panose="02020603050405020304" pitchFamily="18" charset="0"/>
+                <a:cs typeface="Calibri" panose="020F0502020204030204" pitchFamily="34" charset="0"/>
+              </a:rPr>
+              <a:t>: </a:t>
+            </a:r>
+            <a:r>
+              <a:rPr lang="ru-RU" dirty="0"/>
+              <a:t>В съвременния туристически сектор, управлението на екзотични дестинации е предизвикателство за компаниите, хотели и курорти. Разпокъсани системи, ръчни резервации и липса на интеграция водят до забавяния, грешки и неудобства за клиентите. Това затруднява както бизнеса, така и самия процес на резервация, като намалява удовлетвореността на клиентите и пропуска бизнес възможности</a:t>
+            </a:r>
             <a:endParaRPr lang="en-US" sz="1400" dirty="0">
               <a:effectLst/>
               <a:latin typeface="+mj-lt"/>
@@ -4465,15 +4465,42 @@
               <a:buChar char=""/>
             </a:pPr>
             <a:r>
-              <a:rPr lang="ru-RU" dirty="0">
+              <a:rPr lang="ru-RU" sz="1400" b="1" dirty="0">
                 <a:effectLst/>
                 <a:latin typeface="+mj-lt"/>
                 <a:ea typeface="Times New Roman" panose="02020603050405020304" pitchFamily="18" charset="0"/>
                 <a:cs typeface="Calibri" panose="020F0502020204030204" pitchFamily="34" charset="0"/>
               </a:rPr>
-              <a:t>Очаквани резултати: Създаване на ефективна платформа, която улеснява управлението на дестинации, предоставя лесен за използване интерфейс, стабилна бекенд архитектура с използване на Java и Spring Boot</a:t>
+              <a:t>Решение</a:t>
             </a:r>
-            <a:endParaRPr lang="en-150" dirty="0">
+            <a:r>
+              <a:rPr lang="ru-RU" sz="1400" dirty="0">
+                <a:effectLst/>
+                <a:latin typeface="+mj-lt"/>
+                <a:ea typeface="Times New Roman" panose="02020603050405020304" pitchFamily="18" charset="0"/>
+                <a:cs typeface="Calibri" panose="020F0502020204030204" pitchFamily="34" charset="0"/>
+              </a:rPr>
+              <a:t>: </a:t>
+            </a:r>
+            <a:r>
+              <a:rPr lang="ru-RU" sz="1400" dirty="0" err="1">
+                <a:effectLst/>
+                <a:latin typeface="+mj-lt"/>
+                <a:ea typeface="Times New Roman" panose="02020603050405020304" pitchFamily="18" charset="0"/>
+                <a:cs typeface="Calibri" panose="020F0502020204030204" pitchFamily="34" charset="0"/>
+              </a:rPr>
+              <a:t>Създаване</a:t>
+            </a:r>
+            <a:r>
+              <a:rPr lang="ru-RU" sz="1400" dirty="0">
+                <a:effectLst/>
+                <a:latin typeface="+mj-lt"/>
+                <a:ea typeface="Times New Roman" panose="02020603050405020304" pitchFamily="18" charset="0"/>
+                <a:cs typeface="Calibri" panose="020F0502020204030204" pitchFamily="34" charset="0"/>
+              </a:rPr>
+              <a:t> на мащабируемо и сигурно приложение за управление на туристически дестинации, което да предоставя лесен достъп до екзотични места, интегрирано с бекенд система, изградена с Java и Spring Boot</a:t>
+            </a:r>
+            <a:endParaRPr lang="en-US" sz="1400" dirty="0">
               <a:effectLst/>
               <a:latin typeface="+mj-lt"/>
               <a:ea typeface="Times New Roman" panose="02020603050405020304" pitchFamily="18" charset="0"/>
@@ -4492,13 +4519,13 @@
   <p:clrMapOvr>
     <a:masterClrMapping/>
   </p:clrMapOvr>
-  <mc:AlternateContent xmlns:mc="http://schemas.openxmlformats.org/markup-compatibility/2006">
-    <mc:Choice xmlns:p14="http://schemas.microsoft.com/office/powerpoint/2010/main" Requires="p14">
+  <mc:AlternateContent xmlns:mc="http://schemas.openxmlformats.org/markup-compatibility/2006" xmlns:p14="http://schemas.microsoft.com/office/powerpoint/2010/main">
+    <mc:Choice Requires="p14">
       <p:transition spd="med" p14:dur="700">
         <p:fade/>
       </p:transition>
     </mc:Choice>
-    <mc:Fallback>
+    <mc:Fallback xmlns="">
       <p:transition spd="med">
         <p:fade/>
       </p:transition>
@@ -4996,13 +5023,13 @@
   <p:clrMapOvr>
     <a:masterClrMapping/>
   </p:clrMapOvr>
-  <mc:AlternateContent xmlns:mc="http://schemas.openxmlformats.org/markup-compatibility/2006">
-    <mc:Choice xmlns:p14="http://schemas.microsoft.com/office/powerpoint/2010/main" Requires="p14">
+  <mc:AlternateContent xmlns:mc="http://schemas.openxmlformats.org/markup-compatibility/2006" xmlns:p14="http://schemas.microsoft.com/office/powerpoint/2010/main">
+    <mc:Choice Requires="p14">
       <p:transition spd="med" p14:dur="700">
         <p:fade/>
       </p:transition>
     </mc:Choice>
-    <mc:Fallback>
+    <mc:Fallback xmlns="">
       <p:transition spd="med">
         <p:fade/>
       </p:transition>
@@ -5828,13 +5855,13 @@
   <p:clrMapOvr>
     <a:masterClrMapping/>
   </p:clrMapOvr>
-  <mc:AlternateContent xmlns:mc="http://schemas.openxmlformats.org/markup-compatibility/2006">
-    <mc:Choice xmlns:p14="http://schemas.microsoft.com/office/powerpoint/2010/main" Requires="p14">
+  <mc:AlternateContent xmlns:mc="http://schemas.openxmlformats.org/markup-compatibility/2006" xmlns:p14="http://schemas.microsoft.com/office/powerpoint/2010/main">
+    <mc:Choice Requires="p14">
       <p:transition spd="med" p14:dur="700">
         <p:fade/>
       </p:transition>
     </mc:Choice>
-    <mc:Fallback>
+    <mc:Fallback xmlns="">
       <p:transition spd="med">
         <p:fade/>
       </p:transition>
@@ -5915,13 +5942,13 @@
   <p:clrMapOvr>
     <a:masterClrMapping/>
   </p:clrMapOvr>
-  <mc:AlternateContent xmlns:mc="http://schemas.openxmlformats.org/markup-compatibility/2006">
-    <mc:Choice xmlns:p14="http://schemas.microsoft.com/office/powerpoint/2010/main" Requires="p14">
+  <mc:AlternateContent xmlns:mc="http://schemas.openxmlformats.org/markup-compatibility/2006" xmlns:p14="http://schemas.microsoft.com/office/powerpoint/2010/main">
+    <mc:Choice Requires="p14">
       <p:transition spd="med" p14:dur="700">
         <p:fade/>
       </p:transition>
     </mc:Choice>
-    <mc:Fallback>
+    <mc:Fallback xmlns="">
       <p:transition spd="med">
         <p:fade/>
       </p:transition>
@@ -5994,13 +6021,13 @@
   <p:clrMapOvr>
     <a:masterClrMapping/>
   </p:clrMapOvr>
-  <mc:AlternateContent xmlns:mc="http://schemas.openxmlformats.org/markup-compatibility/2006">
-    <mc:Choice xmlns:p14="http://schemas.microsoft.com/office/powerpoint/2010/main" Requires="p14">
+  <mc:AlternateContent xmlns:mc="http://schemas.openxmlformats.org/markup-compatibility/2006" xmlns:p14="http://schemas.microsoft.com/office/powerpoint/2010/main">
+    <mc:Choice Requires="p14">
       <p:transition spd="med" p14:dur="700">
         <p:fade/>
       </p:transition>
     </mc:Choice>
-    <mc:Fallback>
+    <mc:Fallback xmlns="">
       <p:transition spd="med">
         <p:fade/>
       </p:transition>

--- a/docs/presentation.pptx
+++ b/docs/presentation.pptx
@@ -5,25 +5,26 @@
     <p:sldMasterId id="2147483673" r:id="rId1"/>
   </p:sldMasterIdLst>
   <p:notesMasterIdLst>
-    <p:notesMasterId r:id="rId8"/>
+    <p:notesMasterId r:id="rId9"/>
   </p:notesMasterIdLst>
   <p:sldIdLst>
     <p:sldId id="256" r:id="rId2"/>
     <p:sldId id="297" r:id="rId3"/>
     <p:sldId id="298" r:id="rId4"/>
     <p:sldId id="299" r:id="rId5"/>
-    <p:sldId id="300" r:id="rId6"/>
-    <p:sldId id="301" r:id="rId7"/>
+    <p:sldId id="302" r:id="rId6"/>
+    <p:sldId id="300" r:id="rId7"/>
+    <p:sldId id="301" r:id="rId8"/>
   </p:sldIdLst>
   <p:sldSz cx="9144000" cy="5143500" type="screen16x9"/>
   <p:notesSz cx="6858000" cy="9144000"/>
   <p:embeddedFontLst>
     <p:embeddedFont>
       <p:font typeface="Poppins" panose="00000500000000000000" pitchFamily="2" charset="0"/>
-      <p:regular r:id="rId9"/>
-      <p:bold r:id="rId10"/>
-      <p:italic r:id="rId11"/>
-      <p:boldItalic r:id="rId12"/>
+      <p:regular r:id="rId10"/>
+      <p:bold r:id="rId11"/>
+      <p:italic r:id="rId12"/>
+      <p:boldItalic r:id="rId13"/>
     </p:embeddedFont>
   </p:embeddedFontLst>
   <p:defaultTextStyle>
@@ -4394,7 +4395,7 @@
         <p:spPr>
           <a:xfrm>
             <a:off x="678679" y="1153648"/>
-            <a:ext cx="7980074" cy="2301079"/>
+            <a:ext cx="7980074" cy="2548839"/>
           </a:xfrm>
           <a:prstGeom prst="rect">
             <a:avLst/>
@@ -4449,6 +4450,16 @@
               <a:rPr lang="ru-RU" dirty="0"/>
               <a:t>В съвременния туристически сектор, управлението на екзотични дестинации е предизвикателство за компаниите, хотели и курорти. Разпокъсани системи, ръчни резервации и липса на интеграция водят до забавяния, грешки и неудобства за клиентите. Това затруднява както бизнеса, така и самия процес на резервация, като намалява удовлетвореността на клиентите и пропуска бизнес възможности</a:t>
             </a:r>
+            <a:endParaRPr lang="en-US" dirty="0"/>
+          </a:p>
+          <a:p>
+            <a:pPr marL="342900" lvl="0" indent="-342900" algn="just">
+              <a:lnSpc>
+                <a:spcPct val="115000"/>
+              </a:lnSpc>
+              <a:buFont typeface="Symbol" panose="05050102010706020507" pitchFamily="18" charset="2"/>
+              <a:buChar char=""/>
+            </a:pPr>
             <a:endParaRPr lang="en-US" sz="1400" dirty="0">
               <a:effectLst/>
               <a:latin typeface="+mj-lt"/>
@@ -5878,6 +5889,284 @@
         <p:cNvPr id="1" name="">
           <a:extLst>
             <a:ext uri="{FF2B5EF4-FFF2-40B4-BE49-F238E27FC236}">
+              <a16:creationId xmlns:a16="http://schemas.microsoft.com/office/drawing/2014/main" id="{72162EBA-5345-9ACC-9378-5C024C8C6E7C}"/>
+            </a:ext>
+          </a:extLst>
+        </p:cNvPr>
+        <p:cNvGrpSpPr/>
+        <p:nvPr/>
+      </p:nvGrpSpPr>
+      <p:grpSpPr>
+        <a:xfrm>
+          <a:off x="0" y="0"/>
+          <a:ext cx="0" cy="0"/>
+          <a:chOff x="0" y="0"/>
+          <a:chExt cx="0" cy="0"/>
+        </a:xfrm>
+      </p:grpSpPr>
+      <p:sp>
+        <p:nvSpPr>
+          <p:cNvPr id="2" name="Title 1">
+            <a:extLst>
+              <a:ext uri="{FF2B5EF4-FFF2-40B4-BE49-F238E27FC236}">
+                <a16:creationId xmlns:a16="http://schemas.microsoft.com/office/drawing/2014/main" id="{035E8213-DD83-F1DD-4086-D8262574684E}"/>
+              </a:ext>
+            </a:extLst>
+          </p:cNvPr>
+          <p:cNvSpPr>
+            <a:spLocks noGrp="1"/>
+          </p:cNvSpPr>
+          <p:nvPr>
+            <p:ph type="title"/>
+          </p:nvPr>
+        </p:nvSpPr>
+        <p:spPr>
+          <a:xfrm>
+            <a:off x="539242" y="126560"/>
+            <a:ext cx="8415571" cy="557663"/>
+          </a:xfrm>
+        </p:spPr>
+        <p:txBody>
+          <a:bodyPr/>
+          <a:lstStyle/>
+          <a:p>
+            <a:pPr algn="ctr"/>
+            <a:r>
+              <a:rPr lang="bg-BG" sz="2400" dirty="0">
+                <a:latin typeface="+mj-lt"/>
+              </a:rPr>
+              <a:t>В</a:t>
+            </a:r>
+            <a:r>
+              <a:rPr lang="ru-RU" sz="2400" dirty="0">
+                <a:latin typeface="+mj-lt"/>
+              </a:rPr>
+              <a:t>ъзможно бъдещо развитие</a:t>
+            </a:r>
+            <a:endParaRPr lang="en-150" sz="2400" dirty="0">
+              <a:latin typeface="+mj-lt"/>
+            </a:endParaRPr>
+          </a:p>
+        </p:txBody>
+      </p:sp>
+      <p:sp>
+        <p:nvSpPr>
+          <p:cNvPr id="4" name="TextBox 3">
+            <a:extLst>
+              <a:ext uri="{FF2B5EF4-FFF2-40B4-BE49-F238E27FC236}">
+                <a16:creationId xmlns:a16="http://schemas.microsoft.com/office/drawing/2014/main" id="{068C581D-74CD-DD3D-B8BE-F01B0387B224}"/>
+              </a:ext>
+            </a:extLst>
+          </p:cNvPr>
+          <p:cNvSpPr txBox="1"/>
+          <p:nvPr/>
+        </p:nvSpPr>
+        <p:spPr>
+          <a:xfrm>
+            <a:off x="845607" y="775664"/>
+            <a:ext cx="7802839" cy="3751476"/>
+          </a:xfrm>
+          <a:prstGeom prst="rect">
+            <a:avLst/>
+          </a:prstGeom>
+          <a:noFill/>
+        </p:spPr>
+        <p:txBody>
+          <a:bodyPr wrap="square">
+            <a:spAutoFit/>
+          </a:bodyPr>
+          <a:lstStyle/>
+          <a:p>
+            <a:pPr marL="342900" lvl="0" indent="-342900" algn="just">
+              <a:lnSpc>
+                <a:spcPct val="150000"/>
+              </a:lnSpc>
+              <a:buFont typeface="+mj-lt"/>
+              <a:buAutoNum type="arabicPeriod"/>
+            </a:pPr>
+            <a:r>
+              <a:rPr lang="bg-BG" sz="1600" dirty="0"/>
+              <a:t>Разширяване на функционалностите</a:t>
+            </a:r>
+          </a:p>
+          <a:p>
+            <a:pPr marL="342900" indent="-342900" algn="just">
+              <a:lnSpc>
+                <a:spcPct val="150000"/>
+              </a:lnSpc>
+              <a:buFont typeface="Arial" panose="020B0604020202020204" pitchFamily="34" charset="0"/>
+              <a:buChar char="•"/>
+            </a:pPr>
+            <a:r>
+              <a:rPr lang="ru-RU" sz="1200" dirty="0">
+                <a:effectLst/>
+                <a:latin typeface="+mj-lt"/>
+                <a:ea typeface="Times New Roman" panose="02020603050405020304" pitchFamily="18" charset="0"/>
+                <a:cs typeface="Calibri" panose="020F0502020204030204" pitchFamily="34" charset="0"/>
+              </a:rPr>
+              <a:t>Интеграция на нови екзотични дестинации</a:t>
+            </a:r>
+            <a:endParaRPr lang="ru-RU" sz="1200" dirty="0">
+              <a:latin typeface="+mj-lt"/>
+              <a:ea typeface="Times New Roman" panose="02020603050405020304" pitchFamily="18" charset="0"/>
+              <a:cs typeface="Calibri" panose="020F0502020204030204" pitchFamily="34" charset="0"/>
+            </a:endParaRPr>
+          </a:p>
+          <a:p>
+            <a:pPr marL="342900" indent="-342900" algn="just">
+              <a:lnSpc>
+                <a:spcPct val="150000"/>
+              </a:lnSpc>
+              <a:buFont typeface="+mj-lt"/>
+              <a:buAutoNum type="arabicPeriod" startAt="2"/>
+            </a:pPr>
+            <a:r>
+              <a:rPr lang="bg-BG" sz="1600" dirty="0"/>
+              <a:t>Автоматизация и ефективност</a:t>
+            </a:r>
+          </a:p>
+          <a:p>
+            <a:pPr marL="342900" indent="-342900" algn="just">
+              <a:lnSpc>
+                <a:spcPct val="150000"/>
+              </a:lnSpc>
+              <a:buFont typeface="Arial" panose="020B0604020202020204" pitchFamily="34" charset="0"/>
+              <a:buChar char="•"/>
+            </a:pPr>
+            <a:r>
+              <a:rPr lang="ru-RU" sz="1200" dirty="0"/>
+              <a:t>По-голяма автоматизация на процесите по резервация и управление</a:t>
+            </a:r>
+            <a:endParaRPr lang="bg-BG" sz="1200" dirty="0"/>
+          </a:p>
+          <a:p>
+            <a:pPr marL="342900" indent="-342900" algn="just">
+              <a:lnSpc>
+                <a:spcPct val="150000"/>
+              </a:lnSpc>
+              <a:buFont typeface="+mj-lt"/>
+              <a:buAutoNum type="arabicPeriod" startAt="3"/>
+            </a:pPr>
+            <a:r>
+              <a:rPr lang="bg-BG" sz="1600" dirty="0"/>
+              <a:t> Интеграция с платежна система</a:t>
+            </a:r>
+          </a:p>
+          <a:p>
+            <a:pPr marL="342900" indent="-342900" algn="just">
+              <a:lnSpc>
+                <a:spcPct val="150000"/>
+              </a:lnSpc>
+              <a:buFont typeface="Arial" panose="020B0604020202020204" pitchFamily="34" charset="0"/>
+              <a:buChar char="•"/>
+            </a:pPr>
+            <a:r>
+              <a:rPr lang="ru-RU" sz="1200" dirty="0"/>
+              <a:t>Сигурни онлайн разплащания чрез водещи платежни услуги</a:t>
+            </a:r>
+          </a:p>
+          <a:p>
+            <a:pPr marL="342900" indent="-342900" algn="just">
+              <a:lnSpc>
+                <a:spcPct val="150000"/>
+              </a:lnSpc>
+              <a:buFont typeface="Arial" panose="020B0604020202020204" pitchFamily="34" charset="0"/>
+              <a:buChar char="•"/>
+            </a:pPr>
+            <a:r>
+              <a:rPr lang="ru-RU" sz="1200" dirty="0"/>
+              <a:t>Поддръжка на различни методи на плащане (карти, e-wallets, криптовалути)</a:t>
+            </a:r>
+          </a:p>
+          <a:p>
+            <a:pPr marL="342900" indent="-342900" algn="just">
+              <a:lnSpc>
+                <a:spcPct val="150000"/>
+              </a:lnSpc>
+              <a:buFont typeface="Arial" panose="020B0604020202020204" pitchFamily="34" charset="0"/>
+              <a:buChar char="•"/>
+            </a:pPr>
+            <a:r>
+              <a:rPr lang="ru-RU" sz="1200" dirty="0"/>
+              <a:t>Автоматизирани фактури и разписки за потребителите</a:t>
+            </a:r>
+            <a:endParaRPr lang="bg-BG" sz="1200" dirty="0"/>
+          </a:p>
+          <a:p>
+            <a:pPr marL="342900" indent="-342900" algn="just">
+              <a:lnSpc>
+                <a:spcPct val="150000"/>
+              </a:lnSpc>
+              <a:buFont typeface="+mj-lt"/>
+              <a:buAutoNum type="arabicPeriod" startAt="4"/>
+            </a:pPr>
+            <a:r>
+              <a:rPr lang="bg-BG" sz="1600" dirty="0"/>
+              <a:t>Свързаност и разширяване</a:t>
+            </a:r>
+          </a:p>
+          <a:p>
+            <a:pPr marL="285750" indent="-285750" algn="just">
+              <a:lnSpc>
+                <a:spcPct val="150000"/>
+              </a:lnSpc>
+              <a:buFont typeface="Arial" panose="020B0604020202020204" pitchFamily="34" charset="0"/>
+              <a:buChar char="•"/>
+            </a:pPr>
+            <a:r>
+              <a:rPr lang="ru-RU" sz="1200" dirty="0"/>
+              <a:t>Интеграция с допълнителни платформи и услуги (туристически агенции, хотели, транспортни компании)</a:t>
+            </a:r>
+          </a:p>
+          <a:p>
+            <a:pPr marL="285750" indent="-285750" algn="just">
+              <a:lnSpc>
+                <a:spcPct val="150000"/>
+              </a:lnSpc>
+              <a:buFont typeface="Arial" panose="020B0604020202020204" pitchFamily="34" charset="0"/>
+              <a:buChar char="•"/>
+            </a:pPr>
+            <a:r>
+              <a:rPr lang="ru-RU" sz="1200" dirty="0"/>
+              <a:t>Разработка на мобилно приложение за още по-удобен достъп</a:t>
+            </a:r>
+            <a:endParaRPr lang="bg-BG" sz="1200" dirty="0"/>
+          </a:p>
+        </p:txBody>
+      </p:sp>
+    </p:spTree>
+    <p:extLst>
+      <p:ext uri="{BB962C8B-B14F-4D97-AF65-F5344CB8AC3E}">
+        <p14:creationId xmlns:p14="http://schemas.microsoft.com/office/powerpoint/2010/main" val="1431991865"/>
+      </p:ext>
+    </p:extLst>
+  </p:cSld>
+  <p:clrMapOvr>
+    <a:masterClrMapping/>
+  </p:clrMapOvr>
+  <mc:AlternateContent xmlns:mc="http://schemas.openxmlformats.org/markup-compatibility/2006">
+    <mc:Choice xmlns:p14="http://schemas.microsoft.com/office/powerpoint/2010/main" Requires="p14">
+      <p:transition spd="med" p14:dur="700">
+        <p:fade/>
+      </p:transition>
+    </mc:Choice>
+    <mc:Fallback>
+      <p:transition spd="med">
+        <p:fade/>
+      </p:transition>
+    </mc:Fallback>
+  </mc:AlternateContent>
+</p:sld>
+</file>
+
+<file path=ppt/slides/slide6.xml><?xml version="1.0" encoding="utf-8"?>
+<p:sld xmlns:a="http://schemas.openxmlformats.org/drawingml/2006/main" xmlns:r="http://schemas.openxmlformats.org/officeDocument/2006/relationships" xmlns:p="http://schemas.openxmlformats.org/presentationml/2006/main">
+  <p:cSld>
+    <p:spTree>
+      <p:nvGrpSpPr>
+        <p:cNvPr id="1" name="">
+          <a:extLst>
+            <a:ext uri="{FF2B5EF4-FFF2-40B4-BE49-F238E27FC236}">
               <a16:creationId xmlns:a16="http://schemas.microsoft.com/office/drawing/2014/main" id="{4B707D48-3A23-EE12-5FB7-6E029F32A2FF}"/>
             </a:ext>
           </a:extLst>
@@ -5957,7 +6246,7 @@
 </p:sld>
 </file>
 
-<file path=ppt/slides/slide6.xml><?xml version="1.0" encoding="utf-8"?>
+<file path=ppt/slides/slide7.xml><?xml version="1.0" encoding="utf-8"?>
 <p:sld xmlns:a="http://schemas.openxmlformats.org/drawingml/2006/main" xmlns:r="http://schemas.openxmlformats.org/officeDocument/2006/relationships" xmlns:p="http://schemas.openxmlformats.org/presentationml/2006/main">
   <p:cSld>
     <p:spTree>
